--- a/DP/slides/Lecture-26.pptx
+++ b/DP/slides/Lecture-26.pptx
@@ -265,7 +265,7 @@
           <a:p>
             <a:fld id="{5673488C-0A4A-4A6A-9C86-07571DBEABED}" type="datetimeFigureOut">
               <a:rPr lang="en-IN" smtClean="0"/>
-              <a:t>22-11-2023</a:t>
+              <a:t>23-11-2023</a:t>
             </a:fld>
             <a:endParaRPr lang="en-IN"/>
           </a:p>
@@ -682,7 +682,7 @@
           <a:p>
             <a:fld id="{0BCD61D5-6525-4A0E-A841-C2E6D7471AE5}" type="datetimeFigureOut">
               <a:rPr lang="en-IN" smtClean="0"/>
-              <a:t>22-11-2023</a:t>
+              <a:t>23-11-2023</a:t>
             </a:fld>
             <a:endParaRPr lang="en-IN"/>
           </a:p>
@@ -882,7 +882,7 @@
           <a:p>
             <a:fld id="{0BCD61D5-6525-4A0E-A841-C2E6D7471AE5}" type="datetimeFigureOut">
               <a:rPr lang="en-IN" smtClean="0"/>
-              <a:t>22-11-2023</a:t>
+              <a:t>23-11-2023</a:t>
             </a:fld>
             <a:endParaRPr lang="en-IN"/>
           </a:p>
@@ -1092,7 +1092,7 @@
           <a:p>
             <a:fld id="{0BCD61D5-6525-4A0E-A841-C2E6D7471AE5}" type="datetimeFigureOut">
               <a:rPr lang="en-IN" smtClean="0"/>
-              <a:t>22-11-2023</a:t>
+              <a:t>23-11-2023</a:t>
             </a:fld>
             <a:endParaRPr lang="en-IN"/>
           </a:p>
@@ -1292,7 +1292,7 @@
           <a:p>
             <a:fld id="{0BCD61D5-6525-4A0E-A841-C2E6D7471AE5}" type="datetimeFigureOut">
               <a:rPr lang="en-IN" smtClean="0"/>
-              <a:t>22-11-2023</a:t>
+              <a:t>23-11-2023</a:t>
             </a:fld>
             <a:endParaRPr lang="en-IN"/>
           </a:p>
@@ -1568,7 +1568,7 @@
           <a:p>
             <a:fld id="{0BCD61D5-6525-4A0E-A841-C2E6D7471AE5}" type="datetimeFigureOut">
               <a:rPr lang="en-IN" smtClean="0"/>
-              <a:t>22-11-2023</a:t>
+              <a:t>23-11-2023</a:t>
             </a:fld>
             <a:endParaRPr lang="en-IN"/>
           </a:p>
@@ -1836,7 +1836,7 @@
           <a:p>
             <a:fld id="{0BCD61D5-6525-4A0E-A841-C2E6D7471AE5}" type="datetimeFigureOut">
               <a:rPr lang="en-IN" smtClean="0"/>
-              <a:t>22-11-2023</a:t>
+              <a:t>23-11-2023</a:t>
             </a:fld>
             <a:endParaRPr lang="en-IN"/>
           </a:p>
@@ -2251,7 +2251,7 @@
           <a:p>
             <a:fld id="{0BCD61D5-6525-4A0E-A841-C2E6D7471AE5}" type="datetimeFigureOut">
               <a:rPr lang="en-IN" smtClean="0"/>
-              <a:t>22-11-2023</a:t>
+              <a:t>23-11-2023</a:t>
             </a:fld>
             <a:endParaRPr lang="en-IN"/>
           </a:p>
@@ -2393,7 +2393,7 @@
           <a:p>
             <a:fld id="{0BCD61D5-6525-4A0E-A841-C2E6D7471AE5}" type="datetimeFigureOut">
               <a:rPr lang="en-IN" smtClean="0"/>
-              <a:t>22-11-2023</a:t>
+              <a:t>23-11-2023</a:t>
             </a:fld>
             <a:endParaRPr lang="en-IN"/>
           </a:p>
@@ -2506,7 +2506,7 @@
           <a:p>
             <a:fld id="{0BCD61D5-6525-4A0E-A841-C2E6D7471AE5}" type="datetimeFigureOut">
               <a:rPr lang="en-IN" smtClean="0"/>
-              <a:t>22-11-2023</a:t>
+              <a:t>23-11-2023</a:t>
             </a:fld>
             <a:endParaRPr lang="en-IN"/>
           </a:p>
@@ -2819,7 +2819,7 @@
           <a:p>
             <a:fld id="{0BCD61D5-6525-4A0E-A841-C2E6D7471AE5}" type="datetimeFigureOut">
               <a:rPr lang="en-IN" smtClean="0"/>
-              <a:t>22-11-2023</a:t>
+              <a:t>23-11-2023</a:t>
             </a:fld>
             <a:endParaRPr lang="en-IN"/>
           </a:p>
@@ -3108,7 +3108,7 @@
           <a:p>
             <a:fld id="{0BCD61D5-6525-4A0E-A841-C2E6D7471AE5}" type="datetimeFigureOut">
               <a:rPr lang="en-IN" smtClean="0"/>
-              <a:t>22-11-2023</a:t>
+              <a:t>23-11-2023</a:t>
             </a:fld>
             <a:endParaRPr lang="en-IN"/>
           </a:p>
@@ -3351,7 +3351,7 @@
           <a:p>
             <a:fld id="{0BCD61D5-6525-4A0E-A841-C2E6D7471AE5}" type="datetimeFigureOut">
               <a:rPr lang="en-IN" smtClean="0"/>
-              <a:t>22-11-2023</a:t>
+              <a:t>23-11-2023</a:t>
             </a:fld>
             <a:endParaRPr lang="en-IN"/>
           </a:p>
@@ -10890,7 +10890,7 @@
         <p:spPr>
           <a:xfrm>
             <a:off x="383457" y="1825625"/>
-            <a:ext cx="4375355" cy="1200329"/>
+            <a:ext cx="4449800" cy="1200329"/>
           </a:xfrm>
           <a:prstGeom prst="rect">
             <a:avLst/>
@@ -10914,7 +10914,7 @@
           <a:p>
             <a:r>
               <a:rPr lang="en-IN" dirty="0"/>
-              <a:t>Moving loop body and loop skipping to foo_inv1 and foo_inv2.</a:t>
+              <a:t>Moving loop body and loop entry to foo_inv1 and foo_inv2.</a:t>
             </a:r>
           </a:p>
         </p:txBody>
@@ -11113,14 +11113,11 @@
                 <a:effectLst/>
                 <a:latin typeface="Consolas" panose="020B0609020204030204" pitchFamily="49" charset="0"/>
               </a:rPr>
-              <a:t>  requires F4 &amp;&amp;</a:t>
-            </a:r>
-            <a:r>
-              <a:rPr lang="pt-BR" dirty="0">
-                <a:latin typeface="Consolas" panose="020B0609020204030204" pitchFamily="49" charset="0"/>
-              </a:rPr>
-              <a:t> !(i &lt; n)</a:t>
-            </a:r>
+              <a:t>  requires F3</a:t>
+            </a:r>
+            <a:endParaRPr lang="pt-BR" dirty="0">
+              <a:latin typeface="Consolas" panose="020B0609020204030204" pitchFamily="49" charset="0"/>
+            </a:endParaRPr>
           </a:p>
           <a:p>
             <a:pPr marL="342900" indent="-342900">
@@ -11131,7 +11128,7 @@
               <a:rPr lang="pt-BR" dirty="0">
                 <a:latin typeface="Consolas" panose="020B0609020204030204" pitchFamily="49" charset="0"/>
               </a:rPr>
-              <a:t>  ensures F8</a:t>
+              <a:t>  ensures F4</a:t>
             </a:r>
           </a:p>
           <a:p>
